--- a/TractorTEK_Presentation.pptx
+++ b/TractorTEK_Presentation.pptx
@@ -108,6 +108,11 @@
       </a:defRPr>
     </a:lvl9pPr>
   </p:defaultTextStyle>
+  <p:extLst>
+    <p:ext uri="{EFAFB233-063F-42B5-8137-9DF3F51BA10A}">
+      <p15:sldGuideLst xmlns:p15="http://schemas.microsoft.com/office/powerpoint/2012/main"/>
+    </p:ext>
+  </p:extLst>
 </p:presentation>
 </file>
 
@@ -7754,40 +7759,66 @@
             <p:ph sz="half" idx="1"/>
           </p:nvPr>
         </p:nvSpPr>
-        <p:spPr/>
-        <p:txBody>
-          <a:bodyPr/>
+        <p:spPr>
+          <a:xfrm>
+            <a:off x="2589212" y="2133600"/>
+            <a:ext cx="7356646" cy="1552135"/>
+          </a:xfrm>
+        </p:spPr>
+        <p:txBody>
+          <a:bodyPr>
+            <a:normAutofit fontScale="92500"/>
+          </a:bodyPr>
           <a:lstStyle/>
           <a:p>
-            <a:endParaRPr lang="en-US"/>
-          </a:p>
-        </p:txBody>
-      </p:sp>
-      <p:sp>
-        <p:nvSpPr>
-          <p:cNvPr id="5" name="Content Placeholder 4">
+            <a:r>
+              <a:rPr lang="en-US" dirty="0"/>
+              <a:t>Captures Sales orders in real time</a:t>
+            </a:r>
+          </a:p>
+          <a:p>
+            <a:r>
+              <a:rPr lang="en-US" dirty="0"/>
+              <a:t>Choose type of tractor/product code/manufacturer/extended service plan</a:t>
+            </a:r>
+          </a:p>
+          <a:p>
+            <a:r>
+              <a:rPr lang="en-US" dirty="0"/>
+              <a:t>Prices not included due to unknown values for 2021 fiscal year</a:t>
+            </a:r>
+          </a:p>
+        </p:txBody>
+      </p:sp>
+      <p:pic>
+        <p:nvPicPr>
+          <p:cNvPr id="8" name="Content Placeholder 7" descr="A picture containing text&#10;&#10;Description automatically generated">
             <a:extLst>
               <a:ext uri="{FF2B5EF4-FFF2-40B4-BE49-F238E27FC236}">
-                <a16:creationId xmlns:a16="http://schemas.microsoft.com/office/drawing/2014/main" id="{FD29D1C7-BC2F-4D12-8CB0-495B1DBC830E}"/>
+                <a16:creationId xmlns:a16="http://schemas.microsoft.com/office/drawing/2014/main" id="{D0E1522E-9F01-498A-B449-002DCC030205}"/>
               </a:ext>
             </a:extLst>
           </p:cNvPr>
-          <p:cNvSpPr>
-            <a:spLocks noGrp="1"/>
-          </p:cNvSpPr>
+          <p:cNvPicPr>
+            <a:picLocks noGrp="1" noChangeAspect="1"/>
+          </p:cNvPicPr>
           <p:nvPr>
             <p:ph sz="half" idx="2"/>
           </p:nvPr>
-        </p:nvSpPr>
-        <p:spPr/>
-        <p:txBody>
-          <a:bodyPr/>
-          <a:lstStyle/>
-          <a:p>
-            <a:endParaRPr lang="en-US"/>
-          </a:p>
-        </p:txBody>
-      </p:sp>
+        </p:nvPicPr>
+        <p:blipFill>
+          <a:blip r:embed="rId2"/>
+          <a:stretch>
+            <a:fillRect/>
+          </a:stretch>
+        </p:blipFill>
+        <p:spPr>
+          <a:xfrm>
+            <a:off x="1537204" y="4240395"/>
+            <a:ext cx="9967407" cy="1425212"/>
+          </a:xfrm>
+        </p:spPr>
+      </p:pic>
     </p:spTree>
     <p:extLst>
       <p:ext uri="{BB962C8B-B14F-4D97-AF65-F5344CB8AC3E}">
@@ -7846,28 +7877,89 @@
           </a:p>
         </p:txBody>
       </p:sp>
-      <p:sp>
-        <p:nvSpPr>
-          <p:cNvPr id="3" name="Content Placeholder 2">
+      <p:pic>
+        <p:nvPicPr>
+          <p:cNvPr id="11" name="Content Placeholder 10" descr="Chart, bar chart&#10;&#10;Description automatically generated">
             <a:extLst>
               <a:ext uri="{FF2B5EF4-FFF2-40B4-BE49-F238E27FC236}">
-                <a16:creationId xmlns:a16="http://schemas.microsoft.com/office/drawing/2014/main" id="{77495F5E-F47B-4727-8625-6B6DBA9C98F6}"/>
+                <a16:creationId xmlns:a16="http://schemas.microsoft.com/office/drawing/2014/main" id="{FDFAF6C3-80D7-4F19-BF90-C969E346F0F3}"/>
               </a:ext>
             </a:extLst>
           </p:cNvPr>
-          <p:cNvSpPr>
-            <a:spLocks noGrp="1"/>
-          </p:cNvSpPr>
-          <p:nvPr>
-            <p:ph idx="1"/>
-          </p:nvPr>
-        </p:nvSpPr>
-        <p:spPr/>
+          <p:cNvPicPr>
+            <a:picLocks noGrp="1" noChangeAspect="1"/>
+          </p:cNvPicPr>
+          <p:nvPr>
+            <p:ph sz="half" idx="1"/>
+          </p:nvPr>
+        </p:nvPicPr>
+        <p:blipFill>
+          <a:blip r:embed="rId2"/>
+          <a:stretch>
+            <a:fillRect/>
+          </a:stretch>
+        </p:blipFill>
+        <p:spPr>
+          <a:xfrm>
+            <a:off x="2592924" y="1905000"/>
+            <a:ext cx="8396713" cy="1986752"/>
+          </a:xfrm>
+        </p:spPr>
+      </p:pic>
+      <p:sp>
+        <p:nvSpPr>
+          <p:cNvPr id="9" name="Content Placeholder 8">
+            <a:extLst>
+              <a:ext uri="{FF2B5EF4-FFF2-40B4-BE49-F238E27FC236}">
+                <a16:creationId xmlns:a16="http://schemas.microsoft.com/office/drawing/2014/main" id="{B290494F-7388-42F3-B855-3723CE0EEFAB}"/>
+              </a:ext>
+            </a:extLst>
+          </p:cNvPr>
+          <p:cNvSpPr>
+            <a:spLocks noGrp="1"/>
+          </p:cNvSpPr>
+          <p:nvPr>
+            <p:ph sz="half" idx="2"/>
+          </p:nvPr>
+        </p:nvSpPr>
+        <p:spPr>
+          <a:xfrm>
+            <a:off x="2592923" y="4312556"/>
+            <a:ext cx="8396713" cy="1609942"/>
+          </a:xfrm>
+        </p:spPr>
         <p:txBody>
           <a:bodyPr/>
           <a:lstStyle/>
           <a:p>
-            <a:endParaRPr lang="en-US"/>
+            <a:r>
+              <a:rPr lang="en-US" dirty="0"/>
+              <a:t>Sales by Team (2019-2020)</a:t>
+            </a:r>
+          </a:p>
+          <a:p>
+            <a:pPr lvl="1"/>
+            <a:r>
+              <a:rPr lang="en-US" dirty="0"/>
+              <a:t>Top </a:t>
+            </a:r>
+            <a:r>
+              <a:rPr lang="en-US"/>
+              <a:t>Ranking Salesperson: Gina Evans</a:t>
+            </a:r>
+            <a:endParaRPr lang="en-US" dirty="0"/>
+          </a:p>
+          <a:p>
+            <a:r>
+              <a:rPr lang="en-US" dirty="0"/>
+              <a:t>Sales by Quarter (2019-2020)</a:t>
+            </a:r>
+          </a:p>
+          <a:p>
+            <a:r>
+              <a:rPr lang="en-US" dirty="0"/>
+              <a:t>Employee ID</a:t>
+            </a:r>
           </a:p>
         </p:txBody>
       </p:sp>

--- a/TractorTEK_Presentation.pptx
+++ b/TractorTEK_Presentation.pptx
@@ -8,8 +8,8 @@
     <p:sldId id="256" r:id="rId2"/>
     <p:sldId id="257" r:id="rId3"/>
     <p:sldId id="258" r:id="rId4"/>
-    <p:sldId id="259" r:id="rId5"/>
-    <p:sldId id="260" r:id="rId6"/>
+    <p:sldId id="260" r:id="rId5"/>
+    <p:sldId id="259" r:id="rId6"/>
   </p:sldIdLst>
   <p:sldSz cx="12192000" cy="6858000"/>
   <p:notesSz cx="6858000" cy="9144000"/>
@@ -7998,7 +7998,7 @@
           <p:cNvPr id="2" name="Title 1">
             <a:extLst>
               <a:ext uri="{FF2B5EF4-FFF2-40B4-BE49-F238E27FC236}">
-                <a16:creationId xmlns:a16="http://schemas.microsoft.com/office/drawing/2014/main" id="{E8EAB9A1-A55C-46B3-873A-D96DD70F1A75}"/>
+                <a16:creationId xmlns:a16="http://schemas.microsoft.com/office/drawing/2014/main" id="{56CB6E26-AC63-426A-994A-9BDAB7BBC514}"/>
               </a:ext>
             </a:extLst>
           </p:cNvPr>
@@ -8016,7 +8016,7 @@
           <a:p>
             <a:r>
               <a:rPr lang="en-US" dirty="0"/>
-              <a:t>Analysis Findings</a:t>
+              <a:t>Database Design</a:t>
             </a:r>
           </a:p>
         </p:txBody>
@@ -8026,7 +8026,7 @@
           <p:cNvPr id="3" name="Content Placeholder 2">
             <a:extLst>
               <a:ext uri="{FF2B5EF4-FFF2-40B4-BE49-F238E27FC236}">
-                <a16:creationId xmlns:a16="http://schemas.microsoft.com/office/drawing/2014/main" id="{15F0ECFB-D531-4A05-AD0B-E9AE3470F73B}"/>
+                <a16:creationId xmlns:a16="http://schemas.microsoft.com/office/drawing/2014/main" id="{46003C11-8D20-4933-898C-3D2A4FD8BE3D}"/>
               </a:ext>
             </a:extLst>
           </p:cNvPr>
@@ -8034,29 +8034,67 @@
             <a:spLocks noGrp="1"/>
           </p:cNvSpPr>
           <p:nvPr>
-            <p:ph idx="1"/>
-          </p:nvPr>
-        </p:nvSpPr>
-        <p:spPr/>
-        <p:txBody>
-          <a:bodyPr/>
+            <p:ph sz="half" idx="1"/>
+          </p:nvPr>
+        </p:nvSpPr>
+        <p:spPr>
+          <a:xfrm>
+            <a:off x="2589212" y="2133600"/>
+            <a:ext cx="7442684" cy="1010529"/>
+          </a:xfrm>
+        </p:spPr>
+        <p:txBody>
+          <a:bodyPr>
+            <a:normAutofit/>
+          </a:bodyPr>
           <a:lstStyle/>
           <a:p>
             <a:r>
-              <a:rPr lang="en-US" dirty="0" err="1"/>
-              <a:t>Jupyter</a:t>
-            </a:r>
-            <a:r>
               <a:rPr lang="en-US" dirty="0"/>
-              <a:t> Notebook</a:t>
-            </a:r>
-          </a:p>
-        </p:txBody>
-      </p:sp>
+              <a:t>MySQL Workbench (imported from backup/real time sales)</a:t>
+            </a:r>
+          </a:p>
+          <a:p>
+            <a:r>
+              <a:rPr lang="en-US" dirty="0"/>
+              <a:t>OLAP/OLTP (Time permitting)</a:t>
+            </a:r>
+          </a:p>
+        </p:txBody>
+      </p:sp>
+      <p:pic>
+        <p:nvPicPr>
+          <p:cNvPr id="6" name="Content Placeholder 5" descr="Graphical user interface, text, application&#10;&#10;Description automatically generated">
+            <a:extLst>
+              <a:ext uri="{FF2B5EF4-FFF2-40B4-BE49-F238E27FC236}">
+                <a16:creationId xmlns:a16="http://schemas.microsoft.com/office/drawing/2014/main" id="{0B13B9DA-39F7-4D46-8D86-0782048430CC}"/>
+              </a:ext>
+            </a:extLst>
+          </p:cNvPr>
+          <p:cNvPicPr>
+            <a:picLocks noGrp="1" noChangeAspect="1"/>
+          </p:cNvPicPr>
+          <p:nvPr>
+            <p:ph sz="half" idx="2"/>
+          </p:nvPr>
+        </p:nvPicPr>
+        <p:blipFill>
+          <a:blip r:embed="rId2"/>
+          <a:stretch>
+            <a:fillRect/>
+          </a:stretch>
+        </p:blipFill>
+        <p:spPr>
+          <a:xfrm>
+            <a:off x="2589212" y="3713871"/>
+            <a:ext cx="6562921" cy="2271108"/>
+          </a:xfrm>
+        </p:spPr>
+      </p:pic>
     </p:spTree>
     <p:extLst>
       <p:ext uri="{BB962C8B-B14F-4D97-AF65-F5344CB8AC3E}">
-        <p14:creationId xmlns:p14="http://schemas.microsoft.com/office/powerpoint/2010/main" val="1892518411"/>
+        <p14:creationId xmlns:p14="http://schemas.microsoft.com/office/powerpoint/2010/main" val="492479096"/>
       </p:ext>
     </p:extLst>
   </p:cSld>
@@ -8088,7 +8126,7 @@
           <p:cNvPr id="2" name="Title 1">
             <a:extLst>
               <a:ext uri="{FF2B5EF4-FFF2-40B4-BE49-F238E27FC236}">
-                <a16:creationId xmlns:a16="http://schemas.microsoft.com/office/drawing/2014/main" id="{56CB6E26-AC63-426A-994A-9BDAB7BBC514}"/>
+                <a16:creationId xmlns:a16="http://schemas.microsoft.com/office/drawing/2014/main" id="{E8EAB9A1-A55C-46B3-873A-D96DD70F1A75}"/>
               </a:ext>
             </a:extLst>
           </p:cNvPr>
@@ -8106,7 +8144,7 @@
           <a:p>
             <a:r>
               <a:rPr lang="en-US" dirty="0"/>
-              <a:t>Database Design</a:t>
+              <a:t>Analysis Findings</a:t>
             </a:r>
           </a:p>
         </p:txBody>
@@ -8116,7 +8154,7 @@
           <p:cNvPr id="3" name="Content Placeholder 2">
             <a:extLst>
               <a:ext uri="{FF2B5EF4-FFF2-40B4-BE49-F238E27FC236}">
-                <a16:creationId xmlns:a16="http://schemas.microsoft.com/office/drawing/2014/main" id="{46003C11-8D20-4933-898C-3D2A4FD8BE3D}"/>
+                <a16:creationId xmlns:a16="http://schemas.microsoft.com/office/drawing/2014/main" id="{15F0ECFB-D531-4A05-AD0B-E9AE3470F73B}"/>
               </a:ext>
             </a:extLst>
           </p:cNvPr>
@@ -8132,14 +8170,28 @@
           <a:bodyPr/>
           <a:lstStyle/>
           <a:p>
-            <a:endParaRPr lang="en-US"/>
+            <a:r>
+              <a:rPr lang="en-US" dirty="0" err="1"/>
+              <a:t>Jupyter</a:t>
+            </a:r>
+            <a:r>
+              <a:rPr lang="en-US" dirty="0"/>
+              <a:t> Notebook (Time permitting)</a:t>
+            </a:r>
+          </a:p>
+          <a:p>
+            <a:r>
+              <a:rPr lang="en-US"/>
+              <a:t>Excel Dashboard</a:t>
+            </a:r>
+            <a:endParaRPr lang="en-US" dirty="0"/>
           </a:p>
         </p:txBody>
       </p:sp>
     </p:spTree>
     <p:extLst>
       <p:ext uri="{BB962C8B-B14F-4D97-AF65-F5344CB8AC3E}">
-        <p14:creationId xmlns:p14="http://schemas.microsoft.com/office/powerpoint/2010/main" val="492479096"/>
+        <p14:creationId xmlns:p14="http://schemas.microsoft.com/office/powerpoint/2010/main" val="1892518411"/>
       </p:ext>
     </p:extLst>
   </p:cSld>
